--- a/trunk/Final_Submission/MultiDraw_diagrams_Sat.pptx
+++ b/trunk/Final_Submission/MultiDraw_diagrams_Sat.pptx
@@ -7,6 +7,8 @@
   <p:sldIdLst>
     <p:sldId id="256" r:id="rId2"/>
     <p:sldId id="257" r:id="rId3"/>
+    <p:sldId id="258" r:id="rId4"/>
+    <p:sldId id="259" r:id="rId5"/>
   </p:sldIdLst>
   <p:sldSz cx="9144000" cy="6858000" type="screen4x3"/>
   <p:notesSz cx="6858000" cy="9144000"/>
@@ -290,7 +292,7 @@
             <a:fld id="{1D8BD707-D9CF-40AE-B4C6-C98DA3205C09}" type="datetimeFigureOut">
               <a:rPr lang="en-US" smtClean="0"/>
               <a:pPr/>
-              <a:t>5/3/2009</a:t>
+              <a:t>5/5/2009</a:t>
             </a:fld>
             <a:endParaRPr lang="en-US"/>
           </a:p>
@@ -457,7 +459,7 @@
             <a:fld id="{1D8BD707-D9CF-40AE-B4C6-C98DA3205C09}" type="datetimeFigureOut">
               <a:rPr lang="en-US" smtClean="0"/>
               <a:pPr/>
-              <a:t>5/3/2009</a:t>
+              <a:t>5/5/2009</a:t>
             </a:fld>
             <a:endParaRPr lang="en-US"/>
           </a:p>
@@ -634,7 +636,7 @@
             <a:fld id="{1D8BD707-D9CF-40AE-B4C6-C98DA3205C09}" type="datetimeFigureOut">
               <a:rPr lang="en-US" smtClean="0"/>
               <a:pPr/>
-              <a:t>5/3/2009</a:t>
+              <a:t>5/5/2009</a:t>
             </a:fld>
             <a:endParaRPr lang="en-US"/>
           </a:p>
@@ -801,7 +803,7 @@
             <a:fld id="{1D8BD707-D9CF-40AE-B4C6-C98DA3205C09}" type="datetimeFigureOut">
               <a:rPr lang="en-US" smtClean="0"/>
               <a:pPr/>
-              <a:t>5/3/2009</a:t>
+              <a:t>5/5/2009</a:t>
             </a:fld>
             <a:endParaRPr lang="en-US"/>
           </a:p>
@@ -1044,7 +1046,7 @@
             <a:fld id="{1D8BD707-D9CF-40AE-B4C6-C98DA3205C09}" type="datetimeFigureOut">
               <a:rPr lang="en-US" smtClean="0"/>
               <a:pPr/>
-              <a:t>5/3/2009</a:t>
+              <a:t>5/5/2009</a:t>
             </a:fld>
             <a:endParaRPr lang="en-US"/>
           </a:p>
@@ -1329,7 +1331,7 @@
             <a:fld id="{1D8BD707-D9CF-40AE-B4C6-C98DA3205C09}" type="datetimeFigureOut">
               <a:rPr lang="en-US" smtClean="0"/>
               <a:pPr/>
-              <a:t>5/3/2009</a:t>
+              <a:t>5/5/2009</a:t>
             </a:fld>
             <a:endParaRPr lang="en-US"/>
           </a:p>
@@ -1748,7 +1750,7 @@
             <a:fld id="{1D8BD707-D9CF-40AE-B4C6-C98DA3205C09}" type="datetimeFigureOut">
               <a:rPr lang="en-US" smtClean="0"/>
               <a:pPr/>
-              <a:t>5/3/2009</a:t>
+              <a:t>5/5/2009</a:t>
             </a:fld>
             <a:endParaRPr lang="en-US"/>
           </a:p>
@@ -1863,7 +1865,7 @@
             <a:fld id="{1D8BD707-D9CF-40AE-B4C6-C98DA3205C09}" type="datetimeFigureOut">
               <a:rPr lang="en-US" smtClean="0"/>
               <a:pPr/>
-              <a:t>5/3/2009</a:t>
+              <a:t>5/5/2009</a:t>
             </a:fld>
             <a:endParaRPr lang="en-US"/>
           </a:p>
@@ -1955,7 +1957,7 @@
             <a:fld id="{1D8BD707-D9CF-40AE-B4C6-C98DA3205C09}" type="datetimeFigureOut">
               <a:rPr lang="en-US" smtClean="0"/>
               <a:pPr/>
-              <a:t>5/3/2009</a:t>
+              <a:t>5/5/2009</a:t>
             </a:fld>
             <a:endParaRPr lang="en-US"/>
           </a:p>
@@ -2229,7 +2231,7 @@
             <a:fld id="{1D8BD707-D9CF-40AE-B4C6-C98DA3205C09}" type="datetimeFigureOut">
               <a:rPr lang="en-US" smtClean="0"/>
               <a:pPr/>
-              <a:t>5/3/2009</a:t>
+              <a:t>5/5/2009</a:t>
             </a:fld>
             <a:endParaRPr lang="en-US"/>
           </a:p>
@@ -2479,7 +2481,7 @@
             <a:fld id="{1D8BD707-D9CF-40AE-B4C6-C98DA3205C09}" type="datetimeFigureOut">
               <a:rPr lang="en-US" smtClean="0"/>
               <a:pPr/>
-              <a:t>5/3/2009</a:t>
+              <a:t>5/5/2009</a:t>
             </a:fld>
             <a:endParaRPr lang="en-US"/>
           </a:p>
@@ -2689,7 +2691,7 @@
             <a:fld id="{1D8BD707-D9CF-40AE-B4C6-C98DA3205C09}" type="datetimeFigureOut">
               <a:rPr lang="en-US" smtClean="0"/>
               <a:pPr/>
-              <a:t>5/3/2009</a:t>
+              <a:t>5/5/2009</a:t>
             </a:fld>
             <a:endParaRPr lang="en-US"/>
           </a:p>
@@ -3084,7 +3086,11 @@
           <a:p>
             <a:r>
               <a:rPr lang="en-US" dirty="0" smtClean="0"/>
-              <a:t>List of (imp.) Message types</a:t>
+              <a:t>Custom Interface: </a:t>
+            </a:r>
+            <a:r>
+              <a:rPr lang="en-US" dirty="0" smtClean="0"/>
+              <a:t>Message types</a:t>
             </a:r>
             <a:endParaRPr lang="en-US" dirty="0"/>
           </a:p>
@@ -4237,19 +4243,7 @@
                         <a:rPr lang="en-US" sz="1600" dirty="0" smtClean="0">
                           <a:latin typeface="Cambria" pitchFamily="18" charset="0"/>
                         </a:rPr>
-                        <a:t>Sent </a:t>
-                      </a:r>
-                      <a:r>
-                        <a:rPr lang="en-US" sz="1600" dirty="0" smtClean="0">
-                          <a:latin typeface="Cambria" pitchFamily="18" charset="0"/>
-                        </a:rPr>
-                        <a:t>by current owner </a:t>
-                      </a:r>
-                      <a:r>
-                        <a:rPr lang="en-US" sz="1600" dirty="0" smtClean="0">
-                          <a:latin typeface="Cambria" pitchFamily="18" charset="0"/>
-                        </a:rPr>
-                        <a:t>to everyone informing change of owner</a:t>
+                        <a:t>Sent by current owner to everyone informing change of owner</a:t>
                       </a:r>
                     </a:p>
                   </a:txBody>
@@ -4428,8 +4422,8 @@
         </p:nvSpPr>
         <p:spPr>
           <a:xfrm>
-            <a:off x="685800" y="0"/>
-            <a:ext cx="7772400" cy="612775"/>
+            <a:off x="762000" y="0"/>
+            <a:ext cx="7772400" cy="1143000"/>
           </a:xfrm>
         </p:spPr>
         <p:txBody>
@@ -4442,6 +4436,13 @@
               <a:rPr lang="en-US" dirty="0" smtClean="0"/>
               <a:t>Starting a collaboration</a:t>
             </a:r>
+            <a:br>
+              <a:rPr lang="en-US" dirty="0" smtClean="0"/>
+            </a:br>
+            <a:r>
+              <a:rPr lang="en-US" dirty="0" smtClean="0"/>
+              <a:t>[Client-Server communication]</a:t>
+            </a:r>
             <a:endParaRPr lang="en-US" dirty="0"/>
           </a:p>
         </p:txBody>
@@ -4455,7 +4456,7 @@
         <p:spPr>
           <a:xfrm>
             <a:off x="304800" y="1905000"/>
-            <a:ext cx="1219200" cy="1752600"/>
+            <a:ext cx="1219200" cy="4343400"/>
           </a:xfrm>
           <a:prstGeom prst="rect">
             <a:avLst/>
@@ -4483,14 +4484,14 @@
           <a:p>
             <a:pPr algn="ctr"/>
             <a:r>
-              <a:rPr lang="en-US" dirty="0" smtClean="0"/>
+              <a:rPr lang="en-US" b="1" dirty="0" smtClean="0"/>
               <a:t>Owner</a:t>
             </a:r>
           </a:p>
           <a:p>
             <a:pPr algn="ctr"/>
             <a:r>
-              <a:rPr lang="en-US" dirty="0" smtClean="0"/>
+              <a:rPr lang="en-US" b="1" dirty="0" smtClean="0"/>
               <a:t>(Server)</a:t>
             </a:r>
           </a:p>
@@ -4509,7 +4510,7 @@
         <p:spPr>
           <a:xfrm>
             <a:off x="7467600" y="1905000"/>
-            <a:ext cx="1219200" cy="1752600"/>
+            <a:ext cx="1219200" cy="4343400"/>
           </a:xfrm>
           <a:prstGeom prst="rect">
             <a:avLst/>
@@ -4537,14 +4538,14 @@
           <a:p>
             <a:pPr algn="ctr"/>
             <a:r>
-              <a:rPr lang="en-US" dirty="0" smtClean="0"/>
+              <a:rPr lang="en-US" b="1" dirty="0" smtClean="0"/>
               <a:t>New User</a:t>
             </a:r>
           </a:p>
           <a:p>
             <a:pPr algn="ctr"/>
             <a:r>
-              <a:rPr lang="en-US" dirty="0" smtClean="0"/>
+              <a:rPr lang="en-US" b="1" dirty="0" smtClean="0"/>
               <a:t>(Client)</a:t>
             </a:r>
           </a:p>
@@ -4598,8 +4599,8 @@
         </p:nvSpPr>
         <p:spPr>
           <a:xfrm>
-            <a:off x="4876800" y="1676400"/>
-            <a:ext cx="2438400" cy="338554"/>
+            <a:off x="4953000" y="1676400"/>
+            <a:ext cx="2362200" cy="338554"/>
           </a:xfrm>
           <a:prstGeom prst="rect">
             <a:avLst/>
@@ -4620,11 +4621,1102 @@
           </a:p>
         </p:txBody>
       </p:sp>
+      <p:sp>
+        <p:nvSpPr>
+          <p:cNvPr id="7" name="TextBox 6"/>
+          <p:cNvSpPr txBox="1"/>
+          <p:nvPr/>
+        </p:nvSpPr>
+        <p:spPr>
+          <a:xfrm>
+            <a:off x="152400" y="1219200"/>
+            <a:ext cx="1676400" cy="584775"/>
+          </a:xfrm>
+          <a:prstGeom prst="rect">
+            <a:avLst/>
+          </a:prstGeom>
+          <a:noFill/>
+        </p:spPr>
+        <p:txBody>
+          <a:bodyPr wrap="square" rtlCol="0">
+            <a:spAutoFit/>
+          </a:bodyPr>
+          <a:lstStyle/>
+          <a:p>
+            <a:r>
+              <a:rPr lang="en-US" sz="1600" dirty="0" smtClean="0"/>
+              <a:t>Listening on open server-socket</a:t>
+            </a:r>
+            <a:endParaRPr lang="en-US" sz="1600" dirty="0"/>
+          </a:p>
+        </p:txBody>
+      </p:sp>
+      <p:sp>
+        <p:nvSpPr>
+          <p:cNvPr id="9" name="TextBox 8"/>
+          <p:cNvSpPr txBox="1"/>
+          <p:nvPr/>
+        </p:nvSpPr>
+        <p:spPr>
+          <a:xfrm>
+            <a:off x="1676400" y="2133600"/>
+            <a:ext cx="1905000" cy="584775"/>
+          </a:xfrm>
+          <a:prstGeom prst="rect">
+            <a:avLst/>
+          </a:prstGeom>
+          <a:noFill/>
+        </p:spPr>
+        <p:txBody>
+          <a:bodyPr wrap="square" rtlCol="0">
+            <a:spAutoFit/>
+          </a:bodyPr>
+          <a:lstStyle/>
+          <a:p>
+            <a:r>
+              <a:rPr lang="en-US" sz="1600" dirty="0" smtClean="0"/>
+              <a:t>Accepts connection; makes I/O streams</a:t>
+            </a:r>
+            <a:endParaRPr lang="en-US" sz="1600" dirty="0"/>
+          </a:p>
+        </p:txBody>
+      </p:sp>
+      <p:sp>
+        <p:nvSpPr>
+          <p:cNvPr id="10" name="TextBox 9"/>
+          <p:cNvSpPr txBox="1"/>
+          <p:nvPr/>
+        </p:nvSpPr>
+        <p:spPr>
+          <a:xfrm>
+            <a:off x="6172200" y="2286000"/>
+            <a:ext cx="1219200" cy="830997"/>
+          </a:xfrm>
+          <a:prstGeom prst="rect">
+            <a:avLst/>
+          </a:prstGeom>
+          <a:noFill/>
+        </p:spPr>
+        <p:txBody>
+          <a:bodyPr wrap="square" rtlCol="0">
+            <a:spAutoFit/>
+          </a:bodyPr>
+          <a:lstStyle/>
+          <a:p>
+            <a:r>
+              <a:rPr lang="en-US" sz="1600" dirty="0" smtClean="0"/>
+              <a:t>If accepted, makes I/O streams</a:t>
+            </a:r>
+            <a:endParaRPr lang="en-US" sz="1600" dirty="0"/>
+          </a:p>
+        </p:txBody>
+      </p:sp>
+      <p:cxnSp>
+        <p:nvCxnSpPr>
+          <p:cNvPr id="11" name="Straight Arrow Connector 10"/>
+          <p:cNvCxnSpPr/>
+          <p:nvPr/>
+        </p:nvCxnSpPr>
+        <p:spPr>
+          <a:xfrm rot="10800000">
+            <a:off x="1828800" y="4038600"/>
+            <a:ext cx="5486400" cy="1588"/>
+          </a:xfrm>
+          <a:prstGeom prst="straightConnector1">
+            <a:avLst/>
+          </a:prstGeom>
+          <a:ln w="19050">
+            <a:solidFill>
+              <a:srgbClr val="C00000"/>
+            </a:solidFill>
+            <a:tailEnd type="arrow"/>
+          </a:ln>
+        </p:spPr>
+        <p:style>
+          <a:lnRef idx="1">
+            <a:schemeClr val="accent1"/>
+          </a:lnRef>
+          <a:fillRef idx="0">
+            <a:schemeClr val="accent1"/>
+          </a:fillRef>
+          <a:effectRef idx="0">
+            <a:schemeClr val="accent1"/>
+          </a:effectRef>
+          <a:fontRef idx="minor">
+            <a:schemeClr val="tx1"/>
+          </a:fontRef>
+        </p:style>
+      </p:cxnSp>
+      <p:sp>
+        <p:nvSpPr>
+          <p:cNvPr id="12" name="TextBox 11"/>
+          <p:cNvSpPr txBox="1"/>
+          <p:nvPr/>
+        </p:nvSpPr>
+        <p:spPr>
+          <a:xfrm>
+            <a:off x="1752600" y="4648200"/>
+            <a:ext cx="2819400" cy="338554"/>
+          </a:xfrm>
+          <a:prstGeom prst="rect">
+            <a:avLst/>
+          </a:prstGeom>
+          <a:noFill/>
+        </p:spPr>
+        <p:txBody>
+          <a:bodyPr wrap="square" rtlCol="0">
+            <a:spAutoFit/>
+          </a:bodyPr>
+          <a:lstStyle/>
+          <a:p>
+            <a:r>
+              <a:rPr lang="en-US" sz="1600" dirty="0" smtClean="0"/>
+              <a:t>1. Accepts session join request</a:t>
+            </a:r>
+            <a:endParaRPr lang="en-US" sz="1600" dirty="0"/>
+          </a:p>
+        </p:txBody>
+      </p:sp>
+      <p:cxnSp>
+        <p:nvCxnSpPr>
+          <p:cNvPr id="14" name="Straight Arrow Connector 13"/>
+          <p:cNvCxnSpPr/>
+          <p:nvPr/>
+        </p:nvCxnSpPr>
+        <p:spPr>
+          <a:xfrm>
+            <a:off x="1828800" y="5029200"/>
+            <a:ext cx="5486400" cy="1588"/>
+          </a:xfrm>
+          <a:prstGeom prst="straightConnector1">
+            <a:avLst/>
+          </a:prstGeom>
+          <a:ln w="19050">
+            <a:solidFill>
+              <a:srgbClr val="C00000"/>
+            </a:solidFill>
+            <a:tailEnd type="arrow"/>
+          </a:ln>
+        </p:spPr>
+        <p:style>
+          <a:lnRef idx="1">
+            <a:schemeClr val="accent1"/>
+          </a:lnRef>
+          <a:fillRef idx="0">
+            <a:schemeClr val="accent1"/>
+          </a:fillRef>
+          <a:effectRef idx="0">
+            <a:schemeClr val="accent1"/>
+          </a:effectRef>
+          <a:fontRef idx="minor">
+            <a:schemeClr val="tx1"/>
+          </a:fontRef>
+        </p:style>
+      </p:cxnSp>
+      <p:sp>
+        <p:nvSpPr>
+          <p:cNvPr id="15" name="TextBox 14"/>
+          <p:cNvSpPr txBox="1"/>
+          <p:nvPr/>
+        </p:nvSpPr>
+        <p:spPr>
+          <a:xfrm>
+            <a:off x="1752600" y="5029200"/>
+            <a:ext cx="2971800" cy="584775"/>
+          </a:xfrm>
+          <a:prstGeom prst="rect">
+            <a:avLst/>
+          </a:prstGeom>
+          <a:noFill/>
+        </p:spPr>
+        <p:txBody>
+          <a:bodyPr wrap="square" rtlCol="0">
+            <a:spAutoFit/>
+          </a:bodyPr>
+          <a:lstStyle/>
+          <a:p>
+            <a:r>
+              <a:rPr lang="en-US" sz="1600" dirty="0" smtClean="0"/>
+              <a:t>2. Sends list of currently connected clients &amp; canvas-state</a:t>
+            </a:r>
+            <a:endParaRPr lang="en-US" sz="1600" dirty="0"/>
+          </a:p>
+        </p:txBody>
+      </p:sp>
+      <p:cxnSp>
+        <p:nvCxnSpPr>
+          <p:cNvPr id="16" name="Straight Arrow Connector 15"/>
+          <p:cNvCxnSpPr/>
+          <p:nvPr/>
+        </p:nvCxnSpPr>
+        <p:spPr>
+          <a:xfrm>
+            <a:off x="1676400" y="6248400"/>
+            <a:ext cx="5638800" cy="1588"/>
+          </a:xfrm>
+          <a:prstGeom prst="straightConnector1">
+            <a:avLst/>
+          </a:prstGeom>
+          <a:ln w="31750">
+            <a:solidFill>
+              <a:schemeClr val="tx1"/>
+            </a:solidFill>
+            <a:prstDash val="lgDash"/>
+            <a:headEnd w="lg" len="lg"/>
+            <a:tailEnd type="arrow"/>
+          </a:ln>
+        </p:spPr>
+        <p:style>
+          <a:lnRef idx="1">
+            <a:schemeClr val="accent1"/>
+          </a:lnRef>
+          <a:fillRef idx="0">
+            <a:schemeClr val="accent1"/>
+          </a:fillRef>
+          <a:effectRef idx="0">
+            <a:schemeClr val="accent1"/>
+          </a:effectRef>
+          <a:fontRef idx="minor">
+            <a:schemeClr val="tx1"/>
+          </a:fontRef>
+        </p:style>
+      </p:cxnSp>
+      <p:sp>
+        <p:nvSpPr>
+          <p:cNvPr id="17" name="TextBox 16"/>
+          <p:cNvSpPr txBox="1"/>
+          <p:nvPr/>
+        </p:nvSpPr>
+        <p:spPr>
+          <a:xfrm>
+            <a:off x="1676400" y="5867400"/>
+            <a:ext cx="3200400" cy="338554"/>
+          </a:xfrm>
+          <a:prstGeom prst="rect">
+            <a:avLst/>
+          </a:prstGeom>
+          <a:noFill/>
+        </p:spPr>
+        <p:txBody>
+          <a:bodyPr wrap="square" rtlCol="0">
+            <a:spAutoFit/>
+          </a:bodyPr>
+          <a:lstStyle/>
+          <a:p>
+            <a:r>
+              <a:rPr lang="en-US" sz="1600" dirty="0" smtClean="0">
+                <a:solidFill>
+                  <a:srgbClr val="0070C0"/>
+                </a:solidFill>
+              </a:rPr>
+              <a:t>Periodic canvas event updates, etc…</a:t>
+            </a:r>
+            <a:endParaRPr lang="en-US" sz="1600" dirty="0">
+              <a:solidFill>
+                <a:srgbClr val="0070C0"/>
+              </a:solidFill>
+            </a:endParaRPr>
+          </a:p>
+        </p:txBody>
+      </p:sp>
+      <p:sp>
+        <p:nvSpPr>
+          <p:cNvPr id="19" name="TextBox 18"/>
+          <p:cNvSpPr txBox="1"/>
+          <p:nvPr/>
+        </p:nvSpPr>
+        <p:spPr>
+          <a:xfrm>
+            <a:off x="6019800" y="5105400"/>
+            <a:ext cx="1219200" cy="830997"/>
+          </a:xfrm>
+          <a:prstGeom prst="rect">
+            <a:avLst/>
+          </a:prstGeom>
+          <a:noFill/>
+        </p:spPr>
+        <p:txBody>
+          <a:bodyPr wrap="square" rtlCol="0">
+            <a:spAutoFit/>
+          </a:bodyPr>
+          <a:lstStyle/>
+          <a:p>
+            <a:r>
+              <a:rPr lang="en-US" sz="1600" i="1" dirty="0" smtClean="0">
+                <a:solidFill>
+                  <a:srgbClr val="00B050"/>
+                </a:solidFill>
+              </a:rPr>
+              <a:t>Makes I/O streams to new peers</a:t>
+            </a:r>
+            <a:endParaRPr lang="en-US" sz="1600" i="1" dirty="0">
+              <a:solidFill>
+                <a:srgbClr val="00B050"/>
+              </a:solidFill>
+            </a:endParaRPr>
+          </a:p>
+        </p:txBody>
+      </p:sp>
+      <p:sp>
+        <p:nvSpPr>
+          <p:cNvPr id="20" name="TextBox 19"/>
+          <p:cNvSpPr txBox="1"/>
+          <p:nvPr/>
+        </p:nvSpPr>
+        <p:spPr>
+          <a:xfrm>
+            <a:off x="4953000" y="3657600"/>
+            <a:ext cx="2362200" cy="338554"/>
+          </a:xfrm>
+          <a:prstGeom prst="rect">
+            <a:avLst/>
+          </a:prstGeom>
+          <a:noFill/>
+        </p:spPr>
+        <p:txBody>
+          <a:bodyPr wrap="square" rtlCol="0">
+            <a:spAutoFit/>
+          </a:bodyPr>
+          <a:lstStyle/>
+          <a:p>
+            <a:r>
+              <a:rPr lang="en-US" sz="1600" dirty="0" smtClean="0"/>
+              <a:t>Sends session join request</a:t>
+            </a:r>
+            <a:endParaRPr lang="en-US" sz="1600" dirty="0"/>
+          </a:p>
+        </p:txBody>
+      </p:sp>
     </p:spTree>
   </p:cSld>
   <p:clrMapOvr>
     <a:masterClrMapping/>
   </p:clrMapOvr>
+</p:sld>
+</file>
+
+<file path=ppt/slides/slide3.xml><?xml version="1.0" encoding="utf-8"?>
+<p:sld xmlns:a="http://schemas.openxmlformats.org/drawingml/2006/main" xmlns:r="http://schemas.openxmlformats.org/officeDocument/2006/relationships" xmlns:p="http://schemas.openxmlformats.org/presentationml/2006/main">
+  <p:cSld>
+    <p:spTree>
+      <p:nvGrpSpPr>
+        <p:cNvPr id="1" name=""/>
+        <p:cNvGrpSpPr/>
+        <p:nvPr/>
+      </p:nvGrpSpPr>
+      <p:grpSpPr>
+        <a:xfrm>
+          <a:off x="0" y="0"/>
+          <a:ext cx="0" cy="0"/>
+          <a:chOff x="0" y="0"/>
+          <a:chExt cx="0" cy="0"/>
+        </a:xfrm>
+      </p:grpSpPr>
+      <p:sp>
+        <p:nvSpPr>
+          <p:cNvPr id="2" name="Title 1"/>
+          <p:cNvSpPr>
+            <a:spLocks noGrp="1"/>
+          </p:cNvSpPr>
+          <p:nvPr>
+            <p:ph type="ctrTitle"/>
+          </p:nvPr>
+        </p:nvSpPr>
+        <p:spPr>
+          <a:xfrm>
+            <a:off x="762000" y="0"/>
+            <a:ext cx="7772400" cy="1143000"/>
+          </a:xfrm>
+        </p:spPr>
+        <p:txBody>
+          <a:bodyPr>
+            <a:normAutofit fontScale="90000"/>
+          </a:bodyPr>
+          <a:lstStyle/>
+          <a:p>
+            <a:r>
+              <a:rPr lang="en-US" dirty="0" smtClean="0"/>
+              <a:t>Chat messages</a:t>
+            </a:r>
+            <a:br>
+              <a:rPr lang="en-US" dirty="0" smtClean="0"/>
+            </a:br>
+            <a:r>
+              <a:rPr lang="en-US" dirty="0" smtClean="0"/>
+              <a:t>[P2P communication]</a:t>
+            </a:r>
+            <a:endParaRPr lang="en-US" dirty="0"/>
+          </a:p>
+        </p:txBody>
+      </p:sp>
+      <p:sp>
+        <p:nvSpPr>
+          <p:cNvPr id="5" name="Rectangle 4"/>
+          <p:cNvSpPr/>
+          <p:nvPr/>
+        </p:nvSpPr>
+        <p:spPr>
+          <a:xfrm>
+            <a:off x="304800" y="1905000"/>
+            <a:ext cx="1219200" cy="1447800"/>
+          </a:xfrm>
+          <a:prstGeom prst="rect">
+            <a:avLst/>
+          </a:prstGeom>
+        </p:spPr>
+        <p:style>
+          <a:lnRef idx="2">
+            <a:schemeClr val="accent1">
+              <a:shade val="50000"/>
+            </a:schemeClr>
+          </a:lnRef>
+          <a:fillRef idx="1">
+            <a:schemeClr val="accent1"/>
+          </a:fillRef>
+          <a:effectRef idx="0">
+            <a:schemeClr val="accent1"/>
+          </a:effectRef>
+          <a:fontRef idx="minor">
+            <a:schemeClr val="lt1"/>
+          </a:fontRef>
+        </p:style>
+        <p:txBody>
+          <a:bodyPr rtlCol="0" anchor="ctr"/>
+          <a:lstStyle/>
+          <a:p>
+            <a:pPr algn="ctr"/>
+            <a:r>
+              <a:rPr lang="en-US" b="1" dirty="0" smtClean="0"/>
+              <a:t>User1</a:t>
+            </a:r>
+          </a:p>
+          <a:p>
+            <a:pPr algn="ctr"/>
+            <a:r>
+              <a:rPr lang="en-US" b="1" dirty="0" smtClean="0"/>
+              <a:t>(Peer)</a:t>
+            </a:r>
+          </a:p>
+          <a:p>
+            <a:pPr algn="ctr"/>
+            <a:endParaRPr lang="en-US" dirty="0"/>
+          </a:p>
+        </p:txBody>
+      </p:sp>
+      <p:sp>
+        <p:nvSpPr>
+          <p:cNvPr id="6" name="Rectangle 5"/>
+          <p:cNvSpPr/>
+          <p:nvPr/>
+        </p:nvSpPr>
+        <p:spPr>
+          <a:xfrm>
+            <a:off x="7467600" y="1905000"/>
+            <a:ext cx="1219200" cy="1524000"/>
+          </a:xfrm>
+          <a:prstGeom prst="rect">
+            <a:avLst/>
+          </a:prstGeom>
+        </p:spPr>
+        <p:style>
+          <a:lnRef idx="2">
+            <a:schemeClr val="accent1">
+              <a:shade val="50000"/>
+            </a:schemeClr>
+          </a:lnRef>
+          <a:fillRef idx="1">
+            <a:schemeClr val="accent1"/>
+          </a:fillRef>
+          <a:effectRef idx="0">
+            <a:schemeClr val="accent1"/>
+          </a:effectRef>
+          <a:fontRef idx="minor">
+            <a:schemeClr val="lt1"/>
+          </a:fontRef>
+        </p:style>
+        <p:txBody>
+          <a:bodyPr rtlCol="0" anchor="ctr"/>
+          <a:lstStyle/>
+          <a:p>
+            <a:pPr algn="ctr"/>
+            <a:r>
+              <a:rPr lang="en-US" b="1" dirty="0" smtClean="0"/>
+              <a:t>User2</a:t>
+            </a:r>
+          </a:p>
+          <a:p>
+            <a:pPr algn="ctr"/>
+            <a:r>
+              <a:rPr lang="en-US" b="1" dirty="0" smtClean="0"/>
+              <a:t>(Peer)</a:t>
+            </a:r>
+          </a:p>
+          <a:p>
+            <a:pPr algn="ctr"/>
+            <a:endParaRPr lang="en-US" dirty="0"/>
+          </a:p>
+        </p:txBody>
+      </p:sp>
+      <p:sp>
+        <p:nvSpPr>
+          <p:cNvPr id="18" name="Rectangle 17"/>
+          <p:cNvSpPr/>
+          <p:nvPr/>
+        </p:nvSpPr>
+        <p:spPr>
+          <a:xfrm>
+            <a:off x="7467600" y="4800600"/>
+            <a:ext cx="1219200" cy="1524000"/>
+          </a:xfrm>
+          <a:prstGeom prst="rect">
+            <a:avLst/>
+          </a:prstGeom>
+        </p:spPr>
+        <p:style>
+          <a:lnRef idx="2">
+            <a:schemeClr val="accent1">
+              <a:shade val="50000"/>
+            </a:schemeClr>
+          </a:lnRef>
+          <a:fillRef idx="1">
+            <a:schemeClr val="accent1"/>
+          </a:fillRef>
+          <a:effectRef idx="0">
+            <a:schemeClr val="accent1"/>
+          </a:effectRef>
+          <a:fontRef idx="minor">
+            <a:schemeClr val="lt1"/>
+          </a:fontRef>
+        </p:style>
+        <p:txBody>
+          <a:bodyPr rtlCol="0" anchor="ctr"/>
+          <a:lstStyle/>
+          <a:p>
+            <a:pPr algn="ctr"/>
+            <a:r>
+              <a:rPr lang="en-US" b="1" dirty="0" smtClean="0"/>
+              <a:t>User4</a:t>
+            </a:r>
+          </a:p>
+          <a:p>
+            <a:pPr algn="ctr"/>
+            <a:r>
+              <a:rPr lang="en-US" b="1" dirty="0" smtClean="0"/>
+              <a:t>(Peer)</a:t>
+            </a:r>
+          </a:p>
+          <a:p>
+            <a:pPr algn="ctr"/>
+            <a:endParaRPr lang="en-US" dirty="0"/>
+          </a:p>
+        </p:txBody>
+      </p:sp>
+      <p:sp>
+        <p:nvSpPr>
+          <p:cNvPr id="19" name="Rectangle 18"/>
+          <p:cNvSpPr/>
+          <p:nvPr/>
+        </p:nvSpPr>
+        <p:spPr>
+          <a:xfrm>
+            <a:off x="304800" y="4800600"/>
+            <a:ext cx="1219200" cy="1524000"/>
+          </a:xfrm>
+          <a:prstGeom prst="rect">
+            <a:avLst/>
+          </a:prstGeom>
+        </p:spPr>
+        <p:style>
+          <a:lnRef idx="2">
+            <a:schemeClr val="accent1">
+              <a:shade val="50000"/>
+            </a:schemeClr>
+          </a:lnRef>
+          <a:fillRef idx="1">
+            <a:schemeClr val="accent1"/>
+          </a:fillRef>
+          <a:effectRef idx="0">
+            <a:schemeClr val="accent1"/>
+          </a:effectRef>
+          <a:fontRef idx="minor">
+            <a:schemeClr val="lt1"/>
+          </a:fontRef>
+        </p:style>
+        <p:txBody>
+          <a:bodyPr rtlCol="0" anchor="ctr"/>
+          <a:lstStyle/>
+          <a:p>
+            <a:pPr algn="ctr"/>
+            <a:r>
+              <a:rPr lang="en-US" b="1" dirty="0" smtClean="0"/>
+              <a:t>User3</a:t>
+            </a:r>
+          </a:p>
+          <a:p>
+            <a:pPr algn="ctr"/>
+            <a:r>
+              <a:rPr lang="en-US" b="1" dirty="0" smtClean="0"/>
+              <a:t>(Peer)</a:t>
+            </a:r>
+          </a:p>
+          <a:p>
+            <a:pPr algn="ctr"/>
+            <a:endParaRPr lang="en-US" dirty="0"/>
+          </a:p>
+        </p:txBody>
+      </p:sp>
+      <p:cxnSp>
+        <p:nvCxnSpPr>
+          <p:cNvPr id="21" name="Curved Connector 20"/>
+          <p:cNvCxnSpPr>
+            <a:stCxn id="5" idx="3"/>
+            <a:endCxn id="6" idx="1"/>
+          </p:cNvCxnSpPr>
+          <p:nvPr/>
+        </p:nvCxnSpPr>
+        <p:spPr>
+          <a:xfrm>
+            <a:off x="1524000" y="2628900"/>
+            <a:ext cx="5943600" cy="38100"/>
+          </a:xfrm>
+          <a:prstGeom prst="curvedConnector3">
+            <a:avLst>
+              <a:gd name="adj1" fmla="val 50000"/>
+            </a:avLst>
+          </a:prstGeom>
+          <a:ln w="28575">
+            <a:solidFill>
+              <a:srgbClr val="C00000"/>
+            </a:solidFill>
+            <a:tailEnd type="arrow"/>
+          </a:ln>
+        </p:spPr>
+        <p:style>
+          <a:lnRef idx="1">
+            <a:schemeClr val="accent1"/>
+          </a:lnRef>
+          <a:fillRef idx="0">
+            <a:schemeClr val="accent1"/>
+          </a:fillRef>
+          <a:effectRef idx="0">
+            <a:schemeClr val="accent1"/>
+          </a:effectRef>
+          <a:fontRef idx="minor">
+            <a:schemeClr val="tx1"/>
+          </a:fontRef>
+        </p:style>
+      </p:cxnSp>
+      <p:cxnSp>
+        <p:nvCxnSpPr>
+          <p:cNvPr id="22" name="Curved Connector 21"/>
+          <p:cNvCxnSpPr>
+            <a:stCxn id="5" idx="3"/>
+            <a:endCxn id="18" idx="0"/>
+          </p:cNvCxnSpPr>
+          <p:nvPr/>
+        </p:nvCxnSpPr>
+        <p:spPr>
+          <a:xfrm>
+            <a:off x="1524000" y="2628900"/>
+            <a:ext cx="6553200" cy="2171700"/>
+          </a:xfrm>
+          <a:prstGeom prst="curvedConnector2">
+            <a:avLst/>
+          </a:prstGeom>
+          <a:ln w="28575">
+            <a:solidFill>
+              <a:srgbClr val="C00000"/>
+            </a:solidFill>
+            <a:headEnd type="arrow"/>
+            <a:tailEnd type="arrow"/>
+          </a:ln>
+        </p:spPr>
+        <p:style>
+          <a:lnRef idx="1">
+            <a:schemeClr val="accent1"/>
+          </a:lnRef>
+          <a:fillRef idx="0">
+            <a:schemeClr val="accent1"/>
+          </a:fillRef>
+          <a:effectRef idx="0">
+            <a:schemeClr val="accent1"/>
+          </a:effectRef>
+          <a:fontRef idx="minor">
+            <a:schemeClr val="tx1"/>
+          </a:fontRef>
+        </p:style>
+      </p:cxnSp>
+      <p:cxnSp>
+        <p:nvCxnSpPr>
+          <p:cNvPr id="25" name="Curved Connector 24"/>
+          <p:cNvCxnSpPr>
+            <a:stCxn id="5" idx="3"/>
+            <a:endCxn id="19" idx="3"/>
+          </p:cNvCxnSpPr>
+          <p:nvPr/>
+        </p:nvCxnSpPr>
+        <p:spPr>
+          <a:xfrm>
+            <a:off x="1524000" y="2628900"/>
+            <a:ext cx="1588" cy="2933700"/>
+          </a:xfrm>
+          <a:prstGeom prst="curvedConnector3">
+            <a:avLst>
+              <a:gd name="adj1" fmla="val 14395466"/>
+            </a:avLst>
+          </a:prstGeom>
+          <a:ln w="28575">
+            <a:solidFill>
+              <a:srgbClr val="C00000"/>
+            </a:solidFill>
+            <a:headEnd type="arrow"/>
+            <a:tailEnd type="arrow"/>
+          </a:ln>
+        </p:spPr>
+        <p:style>
+          <a:lnRef idx="1">
+            <a:schemeClr val="accent1"/>
+          </a:lnRef>
+          <a:fillRef idx="0">
+            <a:schemeClr val="accent1"/>
+          </a:fillRef>
+          <a:effectRef idx="0">
+            <a:schemeClr val="accent1"/>
+          </a:effectRef>
+          <a:fontRef idx="minor">
+            <a:schemeClr val="tx1"/>
+          </a:fontRef>
+        </p:style>
+      </p:cxnSp>
+      <p:cxnSp>
+        <p:nvCxnSpPr>
+          <p:cNvPr id="31" name="Curved Connector 30"/>
+          <p:cNvCxnSpPr>
+            <a:stCxn id="6" idx="1"/>
+            <a:endCxn id="19" idx="3"/>
+          </p:cNvCxnSpPr>
+          <p:nvPr/>
+        </p:nvCxnSpPr>
+        <p:spPr>
+          <a:xfrm rot="10800000" flipV="1">
+            <a:off x="1524000" y="2667000"/>
+            <a:ext cx="5943600" cy="2895600"/>
+          </a:xfrm>
+          <a:prstGeom prst="curvedConnector3">
+            <a:avLst>
+              <a:gd name="adj1" fmla="val 50000"/>
+            </a:avLst>
+          </a:prstGeom>
+          <a:ln w="19050">
+            <a:solidFill>
+              <a:schemeClr val="tx1"/>
+            </a:solidFill>
+            <a:prstDash val="lgDash"/>
+            <a:headEnd type="arrow"/>
+            <a:tailEnd type="arrow"/>
+          </a:ln>
+        </p:spPr>
+        <p:style>
+          <a:lnRef idx="1">
+            <a:schemeClr val="accent1"/>
+          </a:lnRef>
+          <a:fillRef idx="0">
+            <a:schemeClr val="accent1"/>
+          </a:fillRef>
+          <a:effectRef idx="0">
+            <a:schemeClr val="accent1"/>
+          </a:effectRef>
+          <a:fontRef idx="minor">
+            <a:schemeClr val="tx1"/>
+          </a:fontRef>
+        </p:style>
+      </p:cxnSp>
+      <p:cxnSp>
+        <p:nvCxnSpPr>
+          <p:cNvPr id="34" name="Curved Connector 33"/>
+          <p:cNvCxnSpPr>
+            <a:stCxn id="6" idx="1"/>
+            <a:endCxn id="18" idx="1"/>
+          </p:cNvCxnSpPr>
+          <p:nvPr/>
+        </p:nvCxnSpPr>
+        <p:spPr>
+          <a:xfrm rot="10800000" flipV="1">
+            <a:off x="7467600" y="2667000"/>
+            <a:ext cx="1588" cy="2895600"/>
+          </a:xfrm>
+          <a:prstGeom prst="curvedConnector3">
+            <a:avLst>
+              <a:gd name="adj1" fmla="val 14395466"/>
+            </a:avLst>
+          </a:prstGeom>
+          <a:ln w="19050">
+            <a:solidFill>
+              <a:schemeClr val="tx1"/>
+            </a:solidFill>
+            <a:prstDash val="lgDash"/>
+            <a:headEnd type="arrow"/>
+            <a:tailEnd type="arrow"/>
+          </a:ln>
+        </p:spPr>
+        <p:style>
+          <a:lnRef idx="1">
+            <a:schemeClr val="accent1"/>
+          </a:lnRef>
+          <a:fillRef idx="0">
+            <a:schemeClr val="accent1"/>
+          </a:fillRef>
+          <a:effectRef idx="0">
+            <a:schemeClr val="accent1"/>
+          </a:effectRef>
+          <a:fontRef idx="minor">
+            <a:schemeClr val="tx1"/>
+          </a:fontRef>
+        </p:style>
+      </p:cxnSp>
+      <p:cxnSp>
+        <p:nvCxnSpPr>
+          <p:cNvPr id="37" name="Curved Connector 36"/>
+          <p:cNvCxnSpPr>
+            <a:stCxn id="19" idx="3"/>
+            <a:endCxn id="18" idx="1"/>
+          </p:cNvCxnSpPr>
+          <p:nvPr/>
+        </p:nvCxnSpPr>
+        <p:spPr>
+          <a:xfrm>
+            <a:off x="1524000" y="5562600"/>
+            <a:ext cx="5943600" cy="1588"/>
+          </a:xfrm>
+          <a:prstGeom prst="curvedConnector3">
+            <a:avLst>
+              <a:gd name="adj1" fmla="val 50000"/>
+            </a:avLst>
+          </a:prstGeom>
+          <a:ln w="19050">
+            <a:solidFill>
+              <a:schemeClr val="tx1"/>
+            </a:solidFill>
+            <a:prstDash val="lgDash"/>
+            <a:headEnd type="arrow"/>
+            <a:tailEnd type="arrow"/>
+          </a:ln>
+        </p:spPr>
+        <p:style>
+          <a:lnRef idx="1">
+            <a:schemeClr val="accent1"/>
+          </a:lnRef>
+          <a:fillRef idx="0">
+            <a:schemeClr val="accent1"/>
+          </a:fillRef>
+          <a:effectRef idx="0">
+            <a:schemeClr val="accent1"/>
+          </a:effectRef>
+          <a:fontRef idx="minor">
+            <a:schemeClr val="tx1"/>
+          </a:fontRef>
+        </p:style>
+      </p:cxnSp>
+      <p:sp>
+        <p:nvSpPr>
+          <p:cNvPr id="40" name="TextBox 39"/>
+          <p:cNvSpPr txBox="1"/>
+          <p:nvPr/>
+        </p:nvSpPr>
+        <p:spPr>
+          <a:xfrm>
+            <a:off x="1676400" y="1981200"/>
+            <a:ext cx="2057400" cy="584775"/>
+          </a:xfrm>
+          <a:prstGeom prst="rect">
+            <a:avLst/>
+          </a:prstGeom>
+          <a:noFill/>
+        </p:spPr>
+        <p:txBody>
+          <a:bodyPr wrap="square" rtlCol="0">
+            <a:spAutoFit/>
+          </a:bodyPr>
+          <a:lstStyle/>
+          <a:p>
+            <a:r>
+              <a:rPr lang="en-US" sz="1600" dirty="0" smtClean="0"/>
+              <a:t>Chat Message sent out to all known peers</a:t>
+            </a:r>
+            <a:endParaRPr lang="en-US" sz="1600" dirty="0"/>
+          </a:p>
+        </p:txBody>
+      </p:sp>
+      <p:sp>
+        <p:nvSpPr>
+          <p:cNvPr id="41" name="TextBox 40"/>
+          <p:cNvSpPr txBox="1"/>
+          <p:nvPr/>
+        </p:nvSpPr>
+        <p:spPr>
+          <a:xfrm>
+            <a:off x="5562600" y="5638800"/>
+            <a:ext cx="1828800" cy="584775"/>
+          </a:xfrm>
+          <a:prstGeom prst="rect">
+            <a:avLst/>
+          </a:prstGeom>
+          <a:noFill/>
+        </p:spPr>
+        <p:txBody>
+          <a:bodyPr wrap="square" rtlCol="0">
+            <a:spAutoFit/>
+          </a:bodyPr>
+          <a:lstStyle/>
+          <a:p>
+            <a:r>
+              <a:rPr lang="en-US" sz="1600" dirty="0" smtClean="0"/>
+              <a:t>P2P Network is strongly connected</a:t>
+            </a:r>
+            <a:endParaRPr lang="en-US" sz="1600" dirty="0"/>
+          </a:p>
+        </p:txBody>
+      </p:sp>
+    </p:spTree>
+  </p:cSld>
+  <p:clrMapOvr>
+    <a:masterClrMapping/>
+  </p:clrMapOvr>
+</p:sld>
+</file>
+
+<file path=ppt/slides/slide4.xml><?xml version="1.0" encoding="utf-8"?>
+<p:sld xmlns:a="http://schemas.openxmlformats.org/drawingml/2006/main" xmlns:r="http://schemas.openxmlformats.org/officeDocument/2006/relationships" xmlns:p="http://schemas.openxmlformats.org/presentationml/2006/main">
+  <p:cSld>
+    <p:spTree>
+      <p:nvGrpSpPr>
+        <p:cNvPr id="1" name=""/>
+        <p:cNvGrpSpPr/>
+        <p:nvPr/>
+      </p:nvGrpSpPr>
+      <p:grpSpPr>
+        <a:xfrm>
+          <a:off x="0" y="0"/>
+          <a:ext cx="0" cy="0"/>
+          <a:chOff x="0" y="0"/>
+          <a:chExt cx="0" cy="0"/>
+        </a:xfrm>
+      </p:grpSpPr>
+      <p:sp>
+        <p:nvSpPr>
+          <p:cNvPr id="5122" name="Title 1"/>
+          <p:cNvSpPr>
+            <a:spLocks noGrp="1"/>
+          </p:cNvSpPr>
+          <p:nvPr>
+            <p:ph type="title"/>
+          </p:nvPr>
+        </p:nvSpPr>
+        <p:spPr>
+          <a:xfrm>
+            <a:off x="0" y="2895600"/>
+            <a:ext cx="9144000" cy="914400"/>
+          </a:xfrm>
+        </p:spPr>
+        <p:txBody>
+          <a:bodyPr>
+            <a:noAutofit/>
+          </a:bodyPr>
+          <a:lstStyle/>
+          <a:p>
+            <a:pPr eaLnBrk="1" hangingPunct="1"/>
+            <a:r>
+              <a:rPr lang="en-US" sz="6000" dirty="0" smtClean="0">
+                <a:latin typeface="Calibri" pitchFamily="34" charset="0"/>
+                <a:cs typeface="Times New Roman" pitchFamily="18" charset="0"/>
+              </a:rPr>
+              <a:t>Viva la </a:t>
+            </a:r>
+            <a:r>
+              <a:rPr lang="en-US" sz="6000" dirty="0" err="1" smtClean="0">
+                <a:latin typeface="Calibri" pitchFamily="34" charset="0"/>
+                <a:cs typeface="Times New Roman" pitchFamily="18" charset="0"/>
+              </a:rPr>
+              <a:t>Collaboracíon</a:t>
+            </a:r>
+            <a:r>
+              <a:rPr lang="en-US" sz="6000" dirty="0" smtClean="0">
+                <a:latin typeface="Calibri" pitchFamily="34" charset="0"/>
+                <a:cs typeface="Times New Roman" pitchFamily="18" charset="0"/>
+              </a:rPr>
+              <a:t>!</a:t>
+            </a:r>
+          </a:p>
+        </p:txBody>
+      </p:sp>
+      <p:sp>
+        <p:nvSpPr>
+          <p:cNvPr id="4" name="TextBox 3"/>
+          <p:cNvSpPr txBox="1"/>
+          <p:nvPr/>
+        </p:nvSpPr>
+        <p:spPr>
+          <a:xfrm>
+            <a:off x="228600" y="838200"/>
+            <a:ext cx="8610600" cy="1200329"/>
+          </a:xfrm>
+          <a:prstGeom prst="rect">
+            <a:avLst/>
+          </a:prstGeom>
+          <a:noFill/>
+        </p:spPr>
+        <p:txBody>
+          <a:bodyPr>
+            <a:spAutoFit/>
+          </a:bodyPr>
+          <a:lstStyle/>
+          <a:p>
+            <a:pPr>
+              <a:buFontTx/>
+              <a:buChar char="-"/>
+              <a:defRPr/>
+            </a:pPr>
+            <a:endParaRPr lang="en-US" sz="2400" dirty="0" smtClean="0">
+              <a:latin typeface="Calibri" pitchFamily="34" charset="0"/>
+            </a:endParaRPr>
+          </a:p>
+          <a:p>
+            <a:pPr>
+              <a:buFontTx/>
+              <a:buChar char="-"/>
+              <a:defRPr/>
+            </a:pPr>
+            <a:endParaRPr lang="en-US" sz="2400" dirty="0" smtClean="0">
+              <a:latin typeface="Calibri" pitchFamily="34" charset="0"/>
+            </a:endParaRPr>
+          </a:p>
+          <a:p>
+            <a:pPr marL="457200" indent="-457200">
+              <a:buFont typeface="+mj-lt"/>
+              <a:buAutoNum type="arabicPeriod"/>
+              <a:defRPr/>
+            </a:pPr>
+            <a:endParaRPr lang="en-US" sz="2400" b="1" dirty="0">
+              <a:solidFill>
+                <a:schemeClr val="accent2"/>
+              </a:solidFill>
+              <a:latin typeface="Calibri" pitchFamily="34" charset="0"/>
+            </a:endParaRPr>
+          </a:p>
+        </p:txBody>
+      </p:sp>
+    </p:spTree>
+  </p:cSld>
+  <p:clrMapOvr>
+    <a:masterClrMapping/>
+  </p:clrMapOvr>
+  <p:timing>
+    <p:tnLst>
+      <p:par>
+        <p:cTn id="1" dur="indefinite" restart="never" nodeType="tmRoot"/>
+      </p:par>
+    </p:tnLst>
+  </p:timing>
 </p:sld>
 </file>
 
